--- a/Documentation/Презентация.pptx
+++ b/Documentation/Презентация.pptx
@@ -352,7 +352,7 @@
             <a:fld id="{B61BEF0D-F0BB-DE4B-95CE-6DB70DBA9567}" type="datetimeFigureOut">
               <a:rPr lang="en-US" dirty="0"/>
               <a:pPr/>
-              <a:t>1/23/2022</a:t>
+              <a:t>2/4/2022</a:t>
             </a:fld>
             <a:endParaRPr lang="en-US" dirty="0"/>
           </a:p>
@@ -683,7 +683,7 @@
             <a:fld id="{B61BEF0D-F0BB-DE4B-95CE-6DB70DBA9567}" type="datetimeFigureOut">
               <a:rPr lang="en-US" dirty="0"/>
               <a:pPr/>
-              <a:t>1/23/2022</a:t>
+              <a:t>2/4/2022</a:t>
             </a:fld>
             <a:endParaRPr lang="en-US" dirty="0"/>
           </a:p>
@@ -958,7 +958,7 @@
             <a:fld id="{B61BEF0D-F0BB-DE4B-95CE-6DB70DBA9567}" type="datetimeFigureOut">
               <a:rPr lang="en-US" dirty="0"/>
               <a:pPr/>
-              <a:t>1/23/2022</a:t>
+              <a:t>2/4/2022</a:t>
             </a:fld>
             <a:endParaRPr lang="en-US" dirty="0"/>
           </a:p>
@@ -1523,7 +1523,7 @@
             <a:fld id="{B61BEF0D-F0BB-DE4B-95CE-6DB70DBA9567}" type="datetimeFigureOut">
               <a:rPr lang="en-US" dirty="0"/>
               <a:pPr/>
-              <a:t>1/23/2022</a:t>
+              <a:t>2/4/2022</a:t>
             </a:fld>
             <a:endParaRPr lang="en-US" dirty="0"/>
           </a:p>
@@ -1798,7 +1798,7 @@
             <a:fld id="{B61BEF0D-F0BB-DE4B-95CE-6DB70DBA9567}" type="datetimeFigureOut">
               <a:rPr lang="en-US" dirty="0"/>
               <a:pPr/>
-              <a:t>1/23/2022</a:t>
+              <a:t>2/4/2022</a:t>
             </a:fld>
             <a:endParaRPr lang="en-US" dirty="0"/>
           </a:p>
@@ -2357,7 +2357,7 @@
             <a:fld id="{B61BEF0D-F0BB-DE4B-95CE-6DB70DBA9567}" type="datetimeFigureOut">
               <a:rPr lang="en-US" dirty="0"/>
               <a:pPr/>
-              <a:t>1/23/2022</a:t>
+              <a:t>2/4/2022</a:t>
             </a:fld>
             <a:endParaRPr lang="en-US" dirty="0"/>
           </a:p>
@@ -2681,7 +2681,7 @@
             <a:fld id="{B61BEF0D-F0BB-DE4B-95CE-6DB70DBA9567}" type="datetimeFigureOut">
               <a:rPr lang="en-US" dirty="0"/>
               <a:pPr/>
-              <a:t>1/23/2022</a:t>
+              <a:t>2/4/2022</a:t>
             </a:fld>
             <a:endParaRPr lang="en-US" dirty="0"/>
           </a:p>
@@ -2883,7 +2883,7 @@
             <a:fld id="{B61BEF0D-F0BB-DE4B-95CE-6DB70DBA9567}" type="datetimeFigureOut">
               <a:rPr lang="en-US" dirty="0"/>
               <a:pPr/>
-              <a:t>1/23/2022</a:t>
+              <a:t>2/4/2022</a:t>
             </a:fld>
             <a:endParaRPr lang="en-US" dirty="0"/>
           </a:p>
@@ -3090,7 +3090,7 @@
             <a:fld id="{B61BEF0D-F0BB-DE4B-95CE-6DB70DBA9567}" type="datetimeFigureOut">
               <a:rPr lang="en-US" dirty="0"/>
               <a:pPr/>
-              <a:t>1/23/2022</a:t>
+              <a:t>2/4/2022</a:t>
             </a:fld>
             <a:endParaRPr lang="en-US" dirty="0"/>
           </a:p>
@@ -3287,7 +3287,7 @@
             <a:fld id="{B61BEF0D-F0BB-DE4B-95CE-6DB70DBA9567}" type="datetimeFigureOut">
               <a:rPr lang="en-US" dirty="0"/>
               <a:pPr/>
-              <a:t>1/23/2022</a:t>
+              <a:t>2/4/2022</a:t>
             </a:fld>
             <a:endParaRPr lang="en-US" dirty="0"/>
           </a:p>
@@ -3560,7 +3560,7 @@
             <a:fld id="{B61BEF0D-F0BB-DE4B-95CE-6DB70DBA9567}" type="datetimeFigureOut">
               <a:rPr lang="en-US" dirty="0"/>
               <a:pPr/>
-              <a:t>1/23/2022</a:t>
+              <a:t>2/4/2022</a:t>
             </a:fld>
             <a:endParaRPr lang="en-US" dirty="0"/>
           </a:p>
@@ -3823,7 +3823,7 @@
             <a:fld id="{B61BEF0D-F0BB-DE4B-95CE-6DB70DBA9567}" type="datetimeFigureOut">
               <a:rPr lang="en-US" dirty="0"/>
               <a:pPr/>
-              <a:t>1/23/2022</a:t>
+              <a:t>2/4/2022</a:t>
             </a:fld>
             <a:endParaRPr lang="en-US" dirty="0"/>
           </a:p>
@@ -4194,7 +4194,7 @@
             <a:fld id="{B61BEF0D-F0BB-DE4B-95CE-6DB70DBA9567}" type="datetimeFigureOut">
               <a:rPr lang="en-US" dirty="0"/>
               <a:pPr/>
-              <a:t>1/23/2022</a:t>
+              <a:t>2/4/2022</a:t>
             </a:fld>
             <a:endParaRPr lang="en-US" dirty="0"/>
           </a:p>
@@ -4339,7 +4339,7 @@
             <a:fld id="{B61BEF0D-F0BB-DE4B-95CE-6DB70DBA9567}" type="datetimeFigureOut">
               <a:rPr lang="en-US" dirty="0"/>
               <a:pPr/>
-              <a:t>1/23/2022</a:t>
+              <a:t>2/4/2022</a:t>
             </a:fld>
             <a:endParaRPr lang="en-US" dirty="0"/>
           </a:p>
@@ -4461,7 +4461,7 @@
             <a:fld id="{B61BEF0D-F0BB-DE4B-95CE-6DB70DBA9567}" type="datetimeFigureOut">
               <a:rPr lang="en-US" dirty="0"/>
               <a:pPr/>
-              <a:t>1/23/2022</a:t>
+              <a:t>2/4/2022</a:t>
             </a:fld>
             <a:endParaRPr lang="en-US" dirty="0"/>
           </a:p>
@@ -4743,7 +4743,7 @@
             <a:fld id="{B61BEF0D-F0BB-DE4B-95CE-6DB70DBA9567}" type="datetimeFigureOut">
               <a:rPr lang="en-US" dirty="0"/>
               <a:pPr/>
-              <a:t>1/23/2022</a:t>
+              <a:t>2/4/2022</a:t>
             </a:fld>
             <a:endParaRPr lang="en-US" dirty="0"/>
           </a:p>
@@ -5064,7 +5064,7 @@
             <a:fld id="{B61BEF0D-F0BB-DE4B-95CE-6DB70DBA9567}" type="datetimeFigureOut">
               <a:rPr lang="en-US" dirty="0"/>
               <a:pPr/>
-              <a:t>1/23/2022</a:t>
+              <a:t>2/4/2022</a:t>
             </a:fld>
             <a:endParaRPr lang="en-US" dirty="0"/>
           </a:p>
@@ -5275,7 +5275,7 @@
             <a:fld id="{B61BEF0D-F0BB-DE4B-95CE-6DB70DBA9567}" type="datetimeFigureOut">
               <a:rPr lang="en-US" dirty="0"/>
               <a:pPr/>
-              <a:t>1/23/2022</a:t>
+              <a:t>2/4/2022</a:t>
             </a:fld>
             <a:endParaRPr lang="en-US" dirty="0"/>
           </a:p>
@@ -6719,19 +6719,26 @@
             </a:r>
             <a:r>
               <a:rPr lang="en-US" dirty="0" smtClean="0"/>
-              <a:t>Waves, Invasion)</a:t>
-            </a:r>
+              <a:t>Waves, Invasion</a:t>
+            </a:r>
+            <a:r>
+              <a:rPr lang="en-US" dirty="0" smtClean="0"/>
+              <a:t>)</a:t>
+            </a:r>
+            <a:endParaRPr lang="ru-RU" dirty="0" smtClean="0"/>
           </a:p>
           <a:p>
             <a:r>
               <a:rPr lang="ru-RU" dirty="0" smtClean="0"/>
-              <a:t>Сама </a:t>
-            </a:r>
+              <a:t>Выбор карт</a:t>
+            </a:r>
+            <a:endParaRPr lang="en-US" dirty="0" smtClean="0"/>
+          </a:p>
+          <a:p>
             <a:r>
               <a:rPr lang="ru-RU" dirty="0" smtClean="0"/>
-              <a:t>игра(Окно где играет игрок)</a:t>
-            </a:r>
-            <a:endParaRPr lang="ru-RU" dirty="0" smtClean="0"/>
+              <a:t>Сама игра(Окно где играет игрок)</a:t>
+            </a:r>
           </a:p>
           <a:p>
             <a:r>
@@ -6744,15 +6751,7 @@
             </a:r>
             <a:r>
               <a:rPr lang="ru-RU" dirty="0" smtClean="0"/>
-              <a:t>и высветиться окошко, через него без потери прогресса в игре, </a:t>
-            </a:r>
-            <a:r>
-              <a:rPr lang="ru-RU" dirty="0" smtClean="0"/>
-              <a:t>можно зайти </a:t>
-            </a:r>
-            <a:r>
-              <a:rPr lang="ru-RU" dirty="0" smtClean="0"/>
-              <a:t>в настройки или просто выйти из игры.</a:t>
+              <a:t>и высветиться окошко, через него без потери прогресса в игре, можно зайти в настройки или просто выйти из игры.</a:t>
             </a:r>
           </a:p>
           <a:p>
@@ -6867,14 +6866,27 @@
           <a:p>
             <a:r>
               <a:rPr lang="ru-RU" dirty="0" smtClean="0"/>
-              <a:t>Создал карту для одного из режимов.</a:t>
-            </a:r>
-          </a:p>
-          <a:p>
+              <a:t>Создал </a:t>
+            </a:r>
             <a:r>
               <a:rPr lang="ru-RU" dirty="0" smtClean="0"/>
-              <a:t>Создал начальный экран, настройки, выбор режима.</a:t>
-            </a:r>
+              <a:t>карты </a:t>
+            </a:r>
+            <a:r>
+              <a:rPr lang="ru-RU" dirty="0" smtClean="0"/>
+              <a:t>для одного из режимов.</a:t>
+            </a:r>
+          </a:p>
+          <a:p>
+            <a:r>
+              <a:rPr lang="ru-RU" dirty="0" smtClean="0"/>
+              <a:t>Создал начальный экран, настройки, выбор </a:t>
+            </a:r>
+            <a:r>
+              <a:rPr lang="ru-RU" dirty="0" smtClean="0"/>
+              <a:t>режима игры, выбор карты.</a:t>
+            </a:r>
+            <a:endParaRPr lang="ru-RU" dirty="0" smtClean="0"/>
           </a:p>
           <a:p>
             <a:r>
@@ -7193,8 +7205,19 @@
             </a:r>
             <a:r>
               <a:rPr lang="ru-RU" dirty="0" smtClean="0"/>
-              <a:t> и добавить требование армии к еде.</a:t>
-            </a:r>
+              <a:t> и добавить требование армии к еде</a:t>
+            </a:r>
+            <a:r>
+              <a:rPr lang="ru-RU" dirty="0" smtClean="0"/>
+              <a:t>.</a:t>
+            </a:r>
+          </a:p>
+          <a:p>
+            <a:r>
+              <a:rPr lang="ru-RU" dirty="0" smtClean="0"/>
+              <a:t>Добавить анимации в игру.</a:t>
+            </a:r>
+            <a:endParaRPr lang="ru-RU" dirty="0" smtClean="0"/>
           </a:p>
         </p:txBody>
       </p:sp>
